--- a/slides/slides_2020.pptx
+++ b/slides/slides_2020.pptx
@@ -120,6 +120,11 @@
       </a:defRPr>
     </a:lvl9pPr>
   </p:defaultTextStyle>
+  <p:extLst>
+    <p:ext uri="{EFAFB233-063F-42B5-8137-9DF3F51BA10A}">
+      <p15:sldGuideLst xmlns:p15="http://schemas.microsoft.com/office/powerpoint/2012/main"/>
+    </p:ext>
+  </p:extLst>
 </p:presentation>
 </file>
 
@@ -205,7 +210,7 @@
           <a:p>
             <a:fld id="{D0458797-FF14-294E-9897-84A2A6BF011C}" type="datetimeFigureOut">
               <a:rPr lang="en-US" smtClean="0"/>
-              <a:t>11/23/20</a:t>
+              <a:t>11/1/21</a:t>
             </a:fld>
             <a:endParaRPr lang="en-US"/>
           </a:p>
@@ -4149,7 +4154,7 @@
                 </a:solidFill>
                 <a:latin typeface="Speak Pro"/>
               </a:rPr>
-              <a:t>23/11/2020</a:t>
+              <a:t>01/11/2021</a:t>
             </a:fld>
             <a:endParaRPr lang="en-GB" sz="1100" b="0" strike="noStrike" spc="-1">
               <a:latin typeface="Times New Roman"/>
@@ -4990,7 +4995,7 @@
                 <a:latin typeface="Arial" panose="020B0604020202020204" pitchFamily="34" charset="0"/>
                 <a:cs typeface="Arial" panose="020B0604020202020204" pitchFamily="34" charset="0"/>
               </a:rPr>
-              <a:t>MT 2020</a:t>
+              <a:t>MT 2021</a:t>
             </a:r>
             <a:endParaRPr lang="en-GB" sz="2000" b="0" strike="noStrike" spc="-1" dirty="0">
               <a:latin typeface="Arial" panose="020B0604020202020204" pitchFamily="34" charset="0"/>
@@ -6134,13 +6139,13 @@
             </a:r>
           </a:p>
           <a:p>
-            <a:pPr marL="432000" lvl="1" indent="-216000">
+            <a:pPr marL="558900" lvl="1" indent="-342900">
               <a:buClr>
                 <a:srgbClr val="000000"/>
               </a:buClr>
               <a:buSzPct val="45000"/>
-              <a:buFont typeface="Wingdings" charset="2"/>
-              <a:buChar char=""/>
+              <a:buFont typeface="Courier New" panose="02070309020205020404" pitchFamily="49" charset="0"/>
+              <a:buChar char="o"/>
             </a:pPr>
             <a:r>
               <a:rPr lang="en-GB" sz="2200" b="0" strike="noStrike" spc="-1" dirty="0">
@@ -6150,13 +6155,13 @@
             </a:r>
           </a:p>
           <a:p>
-            <a:pPr marL="432000" lvl="1" indent="-216000">
+            <a:pPr marL="558900" lvl="1" indent="-342900">
               <a:buClr>
                 <a:srgbClr val="000000"/>
               </a:buClr>
               <a:buSzPct val="45000"/>
-              <a:buFont typeface="Wingdings" charset="2"/>
-              <a:buChar char=""/>
+              <a:buFont typeface="Courier New" panose="02070309020205020404" pitchFamily="49" charset="0"/>
+              <a:buChar char="o"/>
             </a:pPr>
             <a:r>
               <a:rPr lang="en-GB" sz="2200" b="0" strike="noStrike" spc="-1" dirty="0">
@@ -6166,13 +6171,13 @@
             </a:r>
           </a:p>
           <a:p>
-            <a:pPr marL="432000" lvl="1" indent="-216000">
+            <a:pPr marL="558900" lvl="1" indent="-342900">
               <a:buClr>
                 <a:srgbClr val="000000"/>
               </a:buClr>
               <a:buSzPct val="45000"/>
-              <a:buFont typeface="Wingdings" charset="2"/>
-              <a:buChar char=""/>
+              <a:buFont typeface="Courier New" panose="02070309020205020404" pitchFamily="49" charset="0"/>
+              <a:buChar char="o"/>
             </a:pPr>
             <a:r>
               <a:rPr lang="en-GB" sz="2200" b="0" strike="noStrike" spc="-1" dirty="0">
@@ -6180,6 +6185,17 @@
               </a:rPr>
               <a:t>Part 3: Python for statistical data analysis</a:t>
             </a:r>
+          </a:p>
+          <a:p>
+            <a:pPr>
+              <a:buClr>
+                <a:srgbClr val="000000"/>
+              </a:buClr>
+              <a:buSzPct val="45000"/>
+            </a:pPr>
+            <a:endParaRPr lang="en-GB" sz="2200" b="0" strike="noStrike" spc="-1" dirty="0">
+              <a:latin typeface="Arial"/>
+            </a:endParaRPr>
           </a:p>
           <a:p>
             <a:pPr marL="216000" indent="-216000">
@@ -6190,24 +6206,11 @@
               <a:buFont typeface="Wingdings" charset="2"/>
               <a:buChar char=""/>
             </a:pPr>
-            <a:endParaRPr lang="en-GB" sz="2200" b="0" strike="noStrike" spc="-1" dirty="0">
-              <a:latin typeface="Arial"/>
-            </a:endParaRPr>
-          </a:p>
-          <a:p>
-            <a:pPr marL="216000" indent="-216000">
-              <a:buClr>
-                <a:srgbClr val="000000"/>
-              </a:buClr>
-              <a:buSzPct val="45000"/>
-              <a:buFont typeface="Wingdings" charset="2"/>
-              <a:buChar char=""/>
-            </a:pPr>
             <a:r>
               <a:rPr lang="en-GB" sz="2200" b="0" strike="noStrike" spc="-1" dirty="0">
                 <a:latin typeface="Arial"/>
               </a:rPr>
-              <a:t>Additional Resources</a:t>
+              <a:t>Additional resources</a:t>
             </a:r>
           </a:p>
         </p:txBody>
@@ -6280,8 +6283,8 @@
         </p:nvSpPr>
         <p:spPr>
           <a:xfrm>
-            <a:off x="288360" y="1152000"/>
-            <a:ext cx="5796720" cy="602280"/>
+            <a:off x="504000" y="1171980"/>
+            <a:ext cx="9071639" cy="602280"/>
           </a:xfrm>
           <a:prstGeom prst="rect">
             <a:avLst/>
@@ -6297,26 +6300,25 @@
           </a:bodyPr>
           <a:lstStyle/>
           <a:p>
-            <a:r>
-              <a:rPr lang="en-GB" sz="1800" b="1" strike="noStrike" spc="-1" dirty="0">
-                <a:latin typeface="Arial"/>
-              </a:rPr>
-              <a:t>It’s a general purpose programming language,</a:t>
-            </a:r>
-            <a:endParaRPr lang="en-GB" sz="1800" b="0" strike="noStrike" spc="-1" dirty="0">
-              <a:latin typeface="Arial"/>
-            </a:endParaRPr>
-          </a:p>
-          <a:p>
-            <a:r>
-              <a:rPr lang="en-GB" sz="1800" b="1" strike="noStrike" spc="-1" dirty="0">
+            <a:pPr algn="ctr"/>
+            <a:r>
+              <a:rPr lang="en-GB" sz="1800" strike="noStrike" spc="-1" dirty="0">
+                <a:latin typeface="Arial"/>
+              </a:rPr>
+              <a:t>It’s a general-purpose programming language,</a:t>
+            </a:r>
+            <a:r>
+              <a:rPr lang="en-GB" spc="-1" dirty="0">
+                <a:latin typeface="Arial"/>
+              </a:rPr>
+              <a:t> </a:t>
+            </a:r>
+            <a:r>
+              <a:rPr lang="en-GB" sz="1800" strike="noStrike" spc="-1" dirty="0">
                 <a:latin typeface="Arial"/>
               </a:rPr>
               <a:t>used to power many of the apps you use every day!</a:t>
             </a:r>
-            <a:endParaRPr lang="en-GB" sz="1800" b="0" strike="noStrike" spc="-1" dirty="0">
-              <a:latin typeface="Arial"/>
-            </a:endParaRPr>
           </a:p>
         </p:txBody>
       </p:sp>
@@ -6460,6 +6462,60 @@
           </a:ln>
         </p:spPr>
       </p:pic>
+      <p:sp>
+        <p:nvSpPr>
+          <p:cNvPr id="2" name="Rectangle 1">
+            <a:extLst>
+              <a:ext uri="{FF2B5EF4-FFF2-40B4-BE49-F238E27FC236}">
+                <a16:creationId xmlns:a16="http://schemas.microsoft.com/office/drawing/2014/main" id="{CD7E14BE-90C4-ED41-99B6-3042AD92207D}"/>
+              </a:ext>
+            </a:extLst>
+          </p:cNvPr>
+          <p:cNvSpPr/>
+          <p:nvPr/>
+        </p:nvSpPr>
+        <p:spPr>
+          <a:xfrm>
+            <a:off x="4968000" y="2085120"/>
+            <a:ext cx="333574" cy="158135"/>
+          </a:xfrm>
+          <a:prstGeom prst="rect">
+            <a:avLst/>
+          </a:prstGeom>
+          <a:solidFill>
+            <a:schemeClr val="bg1"/>
+          </a:solidFill>
+          <a:ln>
+            <a:solidFill>
+              <a:schemeClr val="bg1"/>
+            </a:solidFill>
+          </a:ln>
+        </p:spPr>
+        <p:style>
+          <a:lnRef idx="2">
+            <a:schemeClr val="accent1">
+              <a:shade val="50000"/>
+            </a:schemeClr>
+          </a:lnRef>
+          <a:fillRef idx="1">
+            <a:schemeClr val="accent1"/>
+          </a:fillRef>
+          <a:effectRef idx="0">
+            <a:schemeClr val="accent1"/>
+          </a:effectRef>
+          <a:fontRef idx="minor">
+            <a:schemeClr val="lt1"/>
+          </a:fontRef>
+        </p:style>
+        <p:txBody>
+          <a:bodyPr rtlCol="0" anchor="ctr"/>
+          <a:lstStyle/>
+          <a:p>
+            <a:pPr algn="ctr"/>
+            <a:endParaRPr lang="en-US"/>
+          </a:p>
+        </p:txBody>
+      </p:sp>
     </p:spTree>
   </p:cSld>
   <p:clrMapOvr>
@@ -6532,7 +6588,7 @@
         </p:blipFill>
         <p:spPr>
           <a:xfrm>
-            <a:off x="1321693" y="2389050"/>
+            <a:off x="1321693" y="2189263"/>
             <a:ext cx="2100240" cy="897840"/>
           </a:xfrm>
           <a:prstGeom prst="rect">
@@ -6578,7 +6634,7 @@
         </p:blipFill>
         <p:spPr>
           <a:xfrm>
-            <a:off x="203078" y="4176000"/>
+            <a:off x="325260" y="4053619"/>
             <a:ext cx="2406240" cy="1348560"/>
           </a:xfrm>
           <a:prstGeom prst="rect">
@@ -6601,7 +6657,7 @@
         </p:blipFill>
         <p:spPr>
           <a:xfrm>
-            <a:off x="3175920" y="4248616"/>
+            <a:off x="3175920" y="4147208"/>
             <a:ext cx="3727800" cy="1372680"/>
           </a:xfrm>
           <a:prstGeom prst="rect">
@@ -6624,7 +6680,7 @@
         </p:blipFill>
         <p:spPr>
           <a:xfrm>
-            <a:off x="7348140" y="4216680"/>
+            <a:off x="7348140" y="4147208"/>
             <a:ext cx="2238840" cy="1267200"/>
           </a:xfrm>
           <a:prstGeom prst="rect">
@@ -6643,7 +6699,7 @@
         </p:nvSpPr>
         <p:spPr>
           <a:xfrm>
-            <a:off x="589269" y="1909781"/>
+            <a:off x="589269" y="1709994"/>
             <a:ext cx="3641608" cy="346320"/>
           </a:xfrm>
           <a:prstGeom prst="rect">
@@ -6665,7 +6721,7 @@
               <a:rPr lang="en-GB" sz="1800" b="0" strike="noStrike" spc="-1" dirty="0">
                 <a:latin typeface="Arial"/>
               </a:rPr>
-              <a:t>Create your own experiments</a:t>
+              <a:t>Create your own experiments!</a:t>
             </a:r>
           </a:p>
         </p:txBody>
@@ -6678,8 +6734,8 @@
         </p:nvSpPr>
         <p:spPr>
           <a:xfrm>
-            <a:off x="168338" y="3768480"/>
-            <a:ext cx="2475720" cy="346320"/>
+            <a:off x="203078" y="3655980"/>
+            <a:ext cx="2652683" cy="346320"/>
           </a:xfrm>
           <a:prstGeom prst="rect">
             <a:avLst/>
@@ -6695,11 +6751,12 @@
           </a:bodyPr>
           <a:lstStyle/>
           <a:p>
+            <a:pPr algn="ctr"/>
             <a:r>
               <a:rPr lang="en-GB" sz="1800" b="0" strike="noStrike" spc="-1" dirty="0">
                 <a:latin typeface="Arial"/>
               </a:rPr>
-              <a:t>Make beautiful figures</a:t>
+              <a:t>Make beautiful figures!</a:t>
             </a:r>
           </a:p>
         </p:txBody>
@@ -6712,7 +6769,7 @@
         </p:nvSpPr>
         <p:spPr>
           <a:xfrm>
-            <a:off x="3421933" y="3580996"/>
+            <a:off x="3421933" y="3498311"/>
             <a:ext cx="2770067" cy="602280"/>
           </a:xfrm>
           <a:prstGeom prst="rect">
@@ -6743,7 +6800,7 @@
               <a:rPr lang="en-GB" sz="1800" b="0" strike="noStrike" spc="-1" dirty="0">
                 <a:latin typeface="Arial"/>
               </a:rPr>
-              <a:t>statistical analyses</a:t>
+              <a:t>statistical analyses!</a:t>
             </a:r>
           </a:p>
         </p:txBody>
@@ -6756,7 +6813,7 @@
         </p:nvSpPr>
         <p:spPr>
           <a:xfrm>
-            <a:off x="6920280" y="3528000"/>
+            <a:off x="6903720" y="3456467"/>
             <a:ext cx="3094560" cy="602280"/>
           </a:xfrm>
           <a:prstGeom prst="rect">
@@ -6813,7 +6870,7 @@
               <a:rPr lang="en-GB" sz="1800" b="0" strike="noStrike" spc="-1" dirty="0">
                 <a:latin typeface="Arial"/>
               </a:rPr>
-              <a:t>Organise and analyse numerical data</a:t>
+              <a:t>Organise and analyse numerical data!</a:t>
             </a:r>
           </a:p>
         </p:txBody>
@@ -6847,7 +6904,7 @@
               <a:rPr lang="en-GB" sz="1800" b="1" strike="noStrike" spc="-1" dirty="0">
                 <a:latin typeface="Arial"/>
               </a:rPr>
-              <a:t>There are free (!!) add-ons for everything:</a:t>
+              <a:t>There are free (!) add-ons for everything:</a:t>
             </a:r>
             <a:endParaRPr lang="en-GB" sz="1800" b="0" strike="noStrike" spc="-1" dirty="0">
               <a:latin typeface="Arial"/>
@@ -7452,7 +7509,7 @@
                 </a:solidFill>
                 <a:latin typeface="Arial"/>
               </a:rPr>
-              <a:t>general purpose language</a:t>
+              <a:t>general-purpose language</a:t>
             </a:r>
             <a:r>
               <a:rPr lang="en-GB" sz="1600" b="0" strike="noStrike" spc="-1" dirty="0">
@@ -7534,7 +7591,7 @@
                 </a:solidFill>
                 <a:latin typeface="Arial"/>
               </a:rPr>
-              <a:t>. You can achieve the same results with fewer lines of code</a:t>
+              <a:t>. You can achieve the same results with fewer lines of code.</a:t>
             </a:r>
             <a:endParaRPr lang="en-GB" sz="1600" b="0" strike="noStrike" spc="-1" dirty="0">
               <a:latin typeface="Arial"/>
